--- a/CONSTRUCTORS.pptx
+++ b/CONSTRUCTORS.pptx
@@ -202,7 +202,7 @@
             <a:fld id="{BC619A37-393C-40A0-9118-A1E872FEA09F}" type="datetimeFigureOut">
               <a:rPr lang="en-US" smtClean="0"/>
               <a:pPr/>
-              <a:t>11-Mar-14</a:t>
+              <a:t>4/19/2019</a:t>
             </a:fld>
             <a:endParaRPr lang="en-US"/>
           </a:p>
@@ -373,7 +373,7 @@
     </p:spTree>
     <p:extLst>
       <p:ext uri="{BB962C8B-B14F-4D97-AF65-F5344CB8AC3E}">
-        <p14:creationId xmlns="" xmlns:p14="http://schemas.microsoft.com/office/powerpoint/2010/main" val="3546918181"/>
+        <p14:creationId xmlns:p14="http://schemas.microsoft.com/office/powerpoint/2010/main" val="3546918181"/>
       </p:ext>
     </p:extLst>
   </p:cSld>
@@ -940,7 +940,7 @@
             <a:fld id="{8A2661D8-ECC0-4210-BB03-77651778A819}" type="datetime1">
               <a:rPr lang="en-US" smtClean="0"/>
               <a:pPr/>
-              <a:t>11-Mar-14</a:t>
+              <a:t>4/19/2019</a:t>
             </a:fld>
             <a:endParaRPr lang="en-US"/>
           </a:p>
@@ -1107,7 +1107,7 @@
             <a:fld id="{6DF18869-A4CF-486A-9246-862F8148CB59}" type="datetime1">
               <a:rPr lang="en-US" smtClean="0"/>
               <a:pPr/>
-              <a:t>11-Mar-14</a:t>
+              <a:t>4/19/2019</a:t>
             </a:fld>
             <a:endParaRPr lang="en-US"/>
           </a:p>
@@ -1284,7 +1284,7 @@
             <a:fld id="{0AEE364D-E1D9-4B27-8E4F-039A293082A6}" type="datetime1">
               <a:rPr lang="en-US" smtClean="0"/>
               <a:pPr/>
-              <a:t>11-Mar-14</a:t>
+              <a:t>4/19/2019</a:t>
             </a:fld>
             <a:endParaRPr lang="en-US"/>
           </a:p>
@@ -1455,7 +1455,7 @@
             <a:fld id="{C7A0B14C-9C98-42E4-80F5-7E813C9D4F18}" type="datetime1">
               <a:rPr lang="en-US" smtClean="0"/>
               <a:pPr/>
-              <a:t>11-Mar-14</a:t>
+              <a:t>4/19/2019</a:t>
             </a:fld>
             <a:endParaRPr lang="en-US"/>
           </a:p>
@@ -1912,7 +1912,7 @@
             <a:fld id="{2CB69CEA-ABCE-40B8-9F3D-4D01A8E456D0}" type="datetime1">
               <a:rPr lang="en-US" smtClean="0"/>
               <a:pPr/>
-              <a:t>11-Mar-14</a:t>
+              <a:t>4/19/2019</a:t>
             </a:fld>
             <a:endParaRPr lang="en-US"/>
           </a:p>
@@ -2178,7 +2178,7 @@
             <a:fld id="{41021144-278E-4B85-AF66-B95C8883742D}" type="datetime1">
               <a:rPr lang="en-US" smtClean="0"/>
               <a:pPr/>
-              <a:t>11-Mar-14</a:t>
+              <a:t>4/19/2019</a:t>
             </a:fld>
             <a:endParaRPr lang="en-US"/>
           </a:p>
@@ -2554,7 +2554,7 @@
             <a:fld id="{A9EE1787-A280-4366-AE51-F2A561C9553C}" type="datetime1">
               <a:rPr lang="en-US" smtClean="0"/>
               <a:pPr/>
-              <a:t>11-Mar-14</a:t>
+              <a:t>4/19/2019</a:t>
             </a:fld>
             <a:endParaRPr lang="en-US"/>
           </a:p>
@@ -2678,7 +2678,7 @@
             <a:fld id="{120B6F0C-D741-4F49-9A9F-DE6CABF3CF5B}" type="datetime1">
               <a:rPr lang="en-US" smtClean="0"/>
               <a:pPr/>
-              <a:t>11-Mar-14</a:t>
+              <a:t>4/19/2019</a:t>
             </a:fld>
             <a:endParaRPr lang="en-US"/>
           </a:p>
@@ -2770,7 +2770,7 @@
             <a:fld id="{CB31FFDA-113C-492D-9749-BEA2920DA789}" type="datetime1">
               <a:rPr lang="en-US" smtClean="0"/>
               <a:pPr/>
-              <a:t>11-Mar-14</a:t>
+              <a:t>4/19/2019</a:t>
             </a:fld>
             <a:endParaRPr lang="en-US"/>
           </a:p>
@@ -3021,7 +3021,7 @@
             <a:fld id="{8FB6A3A0-36A4-485F-85C7-ED3B31DB75FE}" type="datetime1">
               <a:rPr lang="en-US" smtClean="0"/>
               <a:pPr/>
-              <a:t>11-Mar-14</a:t>
+              <a:t>4/19/2019</a:t>
             </a:fld>
             <a:endParaRPr lang="en-US"/>
           </a:p>
@@ -3282,7 +3282,7 @@
             <a:fld id="{D6331A1E-289F-47E3-BF97-8BE4058F1B0F}" type="datetime1">
               <a:rPr lang="en-US" smtClean="0"/>
               <a:pPr/>
-              <a:t>11-Mar-14</a:t>
+              <a:t>4/19/2019</a:t>
             </a:fld>
             <a:endParaRPr lang="en-US"/>
           </a:p>
@@ -3688,7 +3688,7 @@
             <a:fld id="{C3DC4D8B-CAED-4C42-96AC-90A8E7833C83}" type="datetime1">
               <a:rPr lang="en-US" smtClean="0"/>
               <a:pPr/>
-              <a:t>11-Mar-14</a:t>
+              <a:t>4/19/2019</a:t>
             </a:fld>
             <a:endParaRPr lang="en-US"/>
           </a:p>
@@ -4099,7 +4099,7 @@
         <p:spPr>
           <a:xfrm>
             <a:off x="1143000" y="685800"/>
-            <a:ext cx="7239000" cy="5632311"/>
+            <a:ext cx="7239000" cy="3416320"/>
           </a:xfrm>
           <a:prstGeom prst="rect">
             <a:avLst/>
@@ -4162,37 +4162,6 @@
               <a:cs typeface="Times New Roman" pitchFamily="18" charset="0"/>
             </a:endParaRPr>
           </a:p>
-          <a:p>
-            <a:pPr algn="ctr"/>
-            <a:r>
-              <a:rPr lang="en-US" sz="3600" dirty="0" smtClean="0">
-                <a:latin typeface="Times New Roman" pitchFamily="18" charset="0"/>
-                <a:cs typeface="Times New Roman" pitchFamily="18" charset="0"/>
-              </a:rPr>
-              <a:t>BY</a:t>
-            </a:r>
-          </a:p>
-          <a:p>
-            <a:pPr algn="ctr"/>
-            <a:endParaRPr lang="en-US" sz="3600" dirty="0">
-              <a:latin typeface="Times New Roman" pitchFamily="18" charset="0"/>
-              <a:cs typeface="Times New Roman" pitchFamily="18" charset="0"/>
-            </a:endParaRPr>
-          </a:p>
-          <a:p>
-            <a:pPr algn="ctr"/>
-            <a:r>
-              <a:rPr lang="en-US" sz="3600" dirty="0" smtClean="0">
-                <a:latin typeface="Times New Roman" pitchFamily="18" charset="0"/>
-                <a:cs typeface="Times New Roman" pitchFamily="18" charset="0"/>
-              </a:rPr>
-              <a:t>ARKA PROVA ROY(C-2013-088)</a:t>
-            </a:r>
-          </a:p>
-          <a:p>
-            <a:pPr algn="ctr"/>
-            <a:endParaRPr lang="en-US" sz="3600" dirty="0"/>
-          </a:p>
         </p:txBody>
       </p:sp>
       <p:sp>
@@ -4213,7 +4182,7 @@
             <a:fld id="{4D5A4F3E-EFD0-4E1E-B041-5B11362C0C4F}" type="datetime1">
               <a:rPr lang="en-US" smtClean="0"/>
               <a:pPr/>
-              <a:t>11-Mar-14</a:t>
+              <a:t>4/19/2019</a:t>
             </a:fld>
             <a:endParaRPr lang="en-US"/>
           </a:p>
@@ -4392,7 +4361,7 @@
             <a:fld id="{BFAFBF2C-A61D-45B2-9373-801FBB812D01}" type="datetime1">
               <a:rPr lang="en-US" smtClean="0"/>
               <a:pPr/>
-              <a:t>11-Mar-14</a:t>
+              <a:t>4/19/2019</a:t>
             </a:fld>
             <a:endParaRPr lang="en-US"/>
           </a:p>
@@ -4610,7 +4579,7 @@
             <a:fld id="{6858B900-FC0E-4B29-9531-0AC22147FBE2}" type="datetime1">
               <a:rPr lang="en-US" smtClean="0"/>
               <a:pPr/>
-              <a:t>11-Mar-14</a:t>
+              <a:t>4/19/2019</a:t>
             </a:fld>
             <a:endParaRPr lang="en-US"/>
           </a:p>
@@ -4839,7 +4808,7 @@
             <a:fld id="{04C7CC16-F5C8-486E-B520-A2EC8FF10CC1}" type="datetime1">
               <a:rPr lang="en-US" smtClean="0"/>
               <a:pPr/>
-              <a:t>11-Mar-14</a:t>
+              <a:t>4/19/2019</a:t>
             </a:fld>
             <a:endParaRPr lang="en-US"/>
           </a:p>
@@ -4998,7 +4967,7 @@
             <a:fld id="{85124A6F-4CE4-431B-9A6F-1B986EBF22FA}" type="datetime1">
               <a:rPr lang="en-US" smtClean="0"/>
               <a:pPr/>
-              <a:t>11-Mar-14</a:t>
+              <a:t>4/19/2019</a:t>
             </a:fld>
             <a:endParaRPr lang="en-US"/>
           </a:p>
@@ -5131,7 +5100,7 @@
             <a:fld id="{9F5030EC-998E-425C-9700-8022A05F4ED7}" type="datetime1">
               <a:rPr lang="en-US" smtClean="0"/>
               <a:pPr/>
-              <a:t>11-Mar-14</a:t>
+              <a:t>4/19/2019</a:t>
             </a:fld>
             <a:endParaRPr lang="en-US"/>
           </a:p>
@@ -5173,7 +5142,7 @@
           <a:blip r:embed="rId2" cstate="print">
             <a:extLst>
               <a:ext uri="{28A0092B-C50C-407E-A947-70E740481C1C}">
-                <a14:useLocalDpi xmlns="" xmlns:a14="http://schemas.microsoft.com/office/drawing/2010/main" val="0"/>
+                <a14:useLocalDpi xmlns:a14="http://schemas.microsoft.com/office/drawing/2010/main" val="0"/>
               </a:ext>
             </a:extLst>
           </a:blip>
@@ -5193,7 +5162,7 @@
           <a:noFill/>
           <a:extLst>
             <a:ext uri="{909E8E84-426E-40DD-AFC4-6F175D3DCCD1}">
-              <a14:hiddenFill xmlns="" xmlns:a14="http://schemas.microsoft.com/office/drawing/2010/main">
+              <a14:hiddenFill xmlns:a14="http://schemas.microsoft.com/office/drawing/2010/main">
                 <a:solidFill>
                   <a:srgbClr val="FFFFFF"/>
                 </a:solidFill>
@@ -5302,7 +5271,7 @@
             <a:fld id="{C6F43BE3-0B16-4052-8CC1-285DA827A17E}" type="datetime1">
               <a:rPr lang="en-US" smtClean="0"/>
               <a:pPr/>
-              <a:t>11-Mar-14</a:t>
+              <a:t>4/19/2019</a:t>
             </a:fld>
             <a:endParaRPr lang="en-US"/>
           </a:p>
@@ -5344,7 +5313,7 @@
           <a:blip r:embed="rId2" cstate="print">
             <a:extLst>
               <a:ext uri="{28A0092B-C50C-407E-A947-70E740481C1C}">
-                <a14:useLocalDpi xmlns="" xmlns:a14="http://schemas.microsoft.com/office/drawing/2010/main" val="0"/>
+                <a14:useLocalDpi xmlns:a14="http://schemas.microsoft.com/office/drawing/2010/main" val="0"/>
               </a:ext>
             </a:extLst>
           </a:blip>
@@ -5364,7 +5333,7 @@
           <a:noFill/>
           <a:extLst>
             <a:ext uri="{909E8E84-426E-40DD-AFC4-6F175D3DCCD1}">
-              <a14:hiddenFill xmlns="" xmlns:a14="http://schemas.microsoft.com/office/drawing/2010/main">
+              <a14:hiddenFill xmlns:a14="http://schemas.microsoft.com/office/drawing/2010/main">
                 <a:solidFill>
                   <a:srgbClr val="FFFFFF"/>
                 </a:solidFill>
@@ -5509,7 +5478,7 @@
             <a:fld id="{91AB505E-BA91-4DCC-8010-531B914915C0}" type="datetime1">
               <a:rPr lang="en-US" smtClean="0"/>
               <a:pPr/>
-              <a:t>11-Mar-14</a:t>
+              <a:t>4/19/2019</a:t>
             </a:fld>
             <a:endParaRPr lang="en-US"/>
           </a:p>
@@ -5678,7 +5647,7 @@
             <a:fld id="{E9C26D32-0979-4380-958D-929F82B88790}" type="datetime1">
               <a:rPr lang="en-US" smtClean="0"/>
               <a:pPr/>
-              <a:t>11-Mar-14</a:t>
+              <a:t>4/19/2019</a:t>
             </a:fld>
             <a:endParaRPr lang="en-US"/>
           </a:p>
@@ -5857,7 +5826,7 @@
             <a:fld id="{918AE4AC-3C86-4F52-AE87-2155CE4D1879}" type="datetime1">
               <a:rPr lang="en-US" smtClean="0"/>
               <a:pPr/>
-              <a:t>11-Mar-14</a:t>
+              <a:t>4/19/2019</a:t>
             </a:fld>
             <a:endParaRPr lang="en-US"/>
           </a:p>
